--- a/docs/Dokumentation/other/PackageDiagram_slides.pptx
+++ b/docs/Dokumentation/other/PackageDiagram_slides.pptx
@@ -2424,9 +2424,14 @@
 <p:sldMaster xmlns:a="http://schemas.openxmlformats.org/drawingml/2006/main" xmlns:r="http://schemas.openxmlformats.org/officeDocument/2006/relationships" xmlns:p="http://schemas.openxmlformats.org/presentationml/2006/main">
   <p:cSld>
     <p:bg>
-      <p:bgRef idx="1001">
-        <a:schemeClr val="bg1"/>
-      </p:bgRef>
+      <p:bgPr>
+        <a:solidFill>
+          <a:schemeClr val="bg1">
+            <a:alpha val="0"/>
+          </a:schemeClr>
+        </a:solidFill>
+        <a:effectLst/>
+      </p:bgPr>
     </p:bg>
     <p:spTree>
       <p:nvGrpSpPr>
@@ -5060,8 +5065,8 @@
         </p:nvSpPr>
         <p:spPr>
           <a:xfrm>
-            <a:off x="8810618" y="5781483"/>
-            <a:ext cx="800100" cy="452263"/>
+            <a:off x="8810618" y="5781484"/>
+            <a:ext cx="800100" cy="414000"/>
           </a:xfrm>
           <a:prstGeom prst="rect">
             <a:avLst/>
